--- a/NewTungTungLogo.pptx
+++ b/NewTungTungLogo.pptx
@@ -210,7 +210,7 @@
           <a:p>
             <a:fld id="{FC670C6D-899E-40EB-8098-6954FCB9E0FF}" type="datetimeFigureOut">
               <a:rPr lang="en-US" smtClean="0"/>
-              <a:t>7/23/2021</a:t>
+              <a:t>8/9/2021</a:t>
             </a:fld>
             <a:endParaRPr lang="en-US"/>
           </a:p>
@@ -708,7 +708,7 @@
           <a:p>
             <a:fld id="{633E343C-AC28-4005-B297-8CAD1BACE990}" type="datetimeFigureOut">
               <a:rPr lang="en-US" smtClean="0"/>
-              <a:t>7/23/2021</a:t>
+              <a:t>8/9/2021</a:t>
             </a:fld>
             <a:endParaRPr lang="en-US"/>
           </a:p>
@@ -906,7 +906,7 @@
           <a:p>
             <a:fld id="{633E343C-AC28-4005-B297-8CAD1BACE990}" type="datetimeFigureOut">
               <a:rPr lang="en-US" smtClean="0"/>
-              <a:t>7/23/2021</a:t>
+              <a:t>8/9/2021</a:t>
             </a:fld>
             <a:endParaRPr lang="en-US"/>
           </a:p>
@@ -1114,7 +1114,7 @@
           <a:p>
             <a:fld id="{633E343C-AC28-4005-B297-8CAD1BACE990}" type="datetimeFigureOut">
               <a:rPr lang="en-US" smtClean="0"/>
-              <a:t>7/23/2021</a:t>
+              <a:t>8/9/2021</a:t>
             </a:fld>
             <a:endParaRPr lang="en-US"/>
           </a:p>
@@ -1312,7 +1312,7 @@
           <a:p>
             <a:fld id="{633E343C-AC28-4005-B297-8CAD1BACE990}" type="datetimeFigureOut">
               <a:rPr lang="en-US" smtClean="0"/>
-              <a:t>7/23/2021</a:t>
+              <a:t>8/9/2021</a:t>
             </a:fld>
             <a:endParaRPr lang="en-US"/>
           </a:p>
@@ -1587,7 +1587,7 @@
           <a:p>
             <a:fld id="{633E343C-AC28-4005-B297-8CAD1BACE990}" type="datetimeFigureOut">
               <a:rPr lang="en-US" smtClean="0"/>
-              <a:t>7/23/2021</a:t>
+              <a:t>8/9/2021</a:t>
             </a:fld>
             <a:endParaRPr lang="en-US"/>
           </a:p>
@@ -1852,7 +1852,7 @@
           <a:p>
             <a:fld id="{633E343C-AC28-4005-B297-8CAD1BACE990}" type="datetimeFigureOut">
               <a:rPr lang="en-US" smtClean="0"/>
-              <a:t>7/23/2021</a:t>
+              <a:t>8/9/2021</a:t>
             </a:fld>
             <a:endParaRPr lang="en-US"/>
           </a:p>
@@ -2264,7 +2264,7 @@
           <a:p>
             <a:fld id="{633E343C-AC28-4005-B297-8CAD1BACE990}" type="datetimeFigureOut">
               <a:rPr lang="en-US" smtClean="0"/>
-              <a:t>7/23/2021</a:t>
+              <a:t>8/9/2021</a:t>
             </a:fld>
             <a:endParaRPr lang="en-US"/>
           </a:p>
@@ -2405,7 +2405,7 @@
           <a:p>
             <a:fld id="{633E343C-AC28-4005-B297-8CAD1BACE990}" type="datetimeFigureOut">
               <a:rPr lang="en-US" smtClean="0"/>
-              <a:t>7/23/2021</a:t>
+              <a:t>8/9/2021</a:t>
             </a:fld>
             <a:endParaRPr lang="en-US"/>
           </a:p>
@@ -2518,7 +2518,7 @@
           <a:p>
             <a:fld id="{633E343C-AC28-4005-B297-8CAD1BACE990}" type="datetimeFigureOut">
               <a:rPr lang="en-US" smtClean="0"/>
-              <a:t>7/23/2021</a:t>
+              <a:t>8/9/2021</a:t>
             </a:fld>
             <a:endParaRPr lang="en-US"/>
           </a:p>
@@ -2829,7 +2829,7 @@
           <a:p>
             <a:fld id="{633E343C-AC28-4005-B297-8CAD1BACE990}" type="datetimeFigureOut">
               <a:rPr lang="en-US" smtClean="0"/>
-              <a:t>7/23/2021</a:t>
+              <a:t>8/9/2021</a:t>
             </a:fld>
             <a:endParaRPr lang="en-US"/>
           </a:p>
@@ -3117,7 +3117,7 @@
           <a:p>
             <a:fld id="{633E343C-AC28-4005-B297-8CAD1BACE990}" type="datetimeFigureOut">
               <a:rPr lang="en-US" smtClean="0"/>
-              <a:t>7/23/2021</a:t>
+              <a:t>8/9/2021</a:t>
             </a:fld>
             <a:endParaRPr lang="en-US"/>
           </a:p>
@@ -3358,7 +3358,7 @@
           <a:p>
             <a:fld id="{633E343C-AC28-4005-B297-8CAD1BACE990}" type="datetimeFigureOut">
               <a:rPr lang="en-US" smtClean="0"/>
-              <a:t>7/23/2021</a:t>
+              <a:t>8/9/2021</a:t>
             </a:fld>
             <a:endParaRPr lang="en-US"/>
           </a:p>
@@ -4015,7 +4015,7 @@
         </p:blipFill>
         <p:spPr>
           <a:xfrm>
-            <a:off x="2215983" y="262198"/>
+            <a:off x="3137318" y="168582"/>
             <a:ext cx="5917364" cy="6520835"/>
           </a:xfrm>
           <a:prstGeom prst="rect">
